--- a/ig/AI-acceptance/AI-acceptance-v3.pptx
+++ b/ig/AI-acceptance/AI-acceptance-v3.pptx
@@ -2081,8 +2081,8 @@
         </p:nvSpPr>
         <p:spPr>
           <a:xfrm>
-            <a:off x="175396" y="2083160"/>
-            <a:ext cx="9943531" cy="7370605"/>
+            <a:off x="175396" y="2121409"/>
+            <a:ext cx="9943531" cy="7306056"/>
           </a:xfrm>
           <a:prstGeom prst="roundRect">
             <a:avLst>
@@ -4393,8 +4393,8 @@
         </p:nvSpPr>
         <p:spPr>
           <a:xfrm>
-            <a:off x="175396" y="2083160"/>
-            <a:ext cx="9943531" cy="7370605"/>
+            <a:off x="175396" y="2121409"/>
+            <a:ext cx="9943531" cy="7306056"/>
           </a:xfrm>
           <a:prstGeom prst="roundRect">
             <a:avLst>
